--- a/Lesson 2 - Cryptography/CryptoIntroduction.pptx
+++ b/Lesson 2 - Cryptography/CryptoIntroduction.pptx
@@ -5,19 +5,20 @@
     <p:sldMasterId id="2147483660" r:id="rId4"/>
   </p:sldMasterIdLst>
   <p:notesMasterIdLst>
-    <p:notesMasterId r:id="rId15"/>
+    <p:notesMasterId r:id="rId16"/>
   </p:notesMasterIdLst>
   <p:sldIdLst>
     <p:sldId id="285" r:id="rId5"/>
     <p:sldId id="278" r:id="rId6"/>
     <p:sldId id="279" r:id="rId7"/>
     <p:sldId id="281" r:id="rId8"/>
-    <p:sldId id="282" r:id="rId9"/>
-    <p:sldId id="287" r:id="rId10"/>
-    <p:sldId id="283" r:id="rId11"/>
-    <p:sldId id="286" r:id="rId12"/>
-    <p:sldId id="284" r:id="rId13"/>
-    <p:sldId id="280" r:id="rId14"/>
+    <p:sldId id="288" r:id="rId9"/>
+    <p:sldId id="282" r:id="rId10"/>
+    <p:sldId id="287" r:id="rId11"/>
+    <p:sldId id="283" r:id="rId12"/>
+    <p:sldId id="286" r:id="rId13"/>
+    <p:sldId id="284" r:id="rId14"/>
+    <p:sldId id="280" r:id="rId15"/>
   </p:sldIdLst>
   <p:sldSz cx="12192000" cy="6858000"/>
   <p:notesSz cx="6858000" cy="9144000"/>
@@ -895,7 +896,7 @@
     </p:spTree>
     <p:extLst>
       <p:ext uri="{BB962C8B-B14F-4D97-AF65-F5344CB8AC3E}">
-        <p14:creationId xmlns:p14="http://schemas.microsoft.com/office/powerpoint/2010/main" val="2725676656"/>
+        <p14:creationId xmlns:p14="http://schemas.microsoft.com/office/powerpoint/2010/main" val="1517043325"/>
       </p:ext>
     </p:extLst>
   </p:cSld>
@@ -1017,7 +1018,151 @@
                 <a:tabLst/>
                 <a:defRPr/>
               </a:pPr>
-              <a:t>10</a:t>
+              <a:t>6</a:t>
+            </a:fld>
+            <a:endParaRPr kumimoji="0" lang="en-US" sz="1200" b="0" i="0" u="none" strike="noStrike" kern="1200" cap="none" spc="0" normalizeH="0" baseline="0" noProof="0" dirty="0">
+              <a:ln>
+                <a:noFill/>
+              </a:ln>
+              <a:solidFill>
+                <a:prstClr val="black"/>
+              </a:solidFill>
+              <a:effectLst/>
+              <a:uLnTx/>
+              <a:uFillTx/>
+              <a:latin typeface="Calibri" panose="020F0502020204030204"/>
+              <a:ea typeface="+mn-ea"/>
+              <a:cs typeface="+mn-cs"/>
+            </a:endParaRPr>
+          </a:p>
+        </p:txBody>
+      </p:sp>
+    </p:spTree>
+    <p:extLst>
+      <p:ext uri="{BB962C8B-B14F-4D97-AF65-F5344CB8AC3E}">
+        <p14:creationId xmlns:p14="http://schemas.microsoft.com/office/powerpoint/2010/main" val="2725676656"/>
+      </p:ext>
+    </p:extLst>
+  </p:cSld>
+  <p:clrMapOvr>
+    <a:masterClrMapping/>
+  </p:clrMapOvr>
+</p:notes>
+</file>
+
+<file path=ppt/notesSlides/notesSlide5.xml><?xml version="1.0" encoding="utf-8"?>
+<p:notes xmlns:a="http://schemas.openxmlformats.org/drawingml/2006/main" xmlns:r="http://schemas.openxmlformats.org/officeDocument/2006/relationships" xmlns:p="http://schemas.openxmlformats.org/presentationml/2006/main">
+  <p:cSld>
+    <p:spTree>
+      <p:nvGrpSpPr>
+        <p:cNvPr id="1" name=""/>
+        <p:cNvGrpSpPr/>
+        <p:nvPr/>
+      </p:nvGrpSpPr>
+      <p:grpSpPr>
+        <a:xfrm>
+          <a:off x="0" y="0"/>
+          <a:ext cx="0" cy="0"/>
+          <a:chOff x="0" y="0"/>
+          <a:chExt cx="0" cy="0"/>
+        </a:xfrm>
+      </p:grpSpPr>
+      <p:sp>
+        <p:nvSpPr>
+          <p:cNvPr id="2" name="Slide Image Placeholder 1"/>
+          <p:cNvSpPr>
+            <a:spLocks noGrp="1" noRot="1" noChangeAspect="1"/>
+          </p:cNvSpPr>
+          <p:nvPr>
+            <p:ph type="sldImg"/>
+          </p:nvPr>
+        </p:nvSpPr>
+        <p:spPr/>
+      </p:sp>
+      <p:sp>
+        <p:nvSpPr>
+          <p:cNvPr id="3" name="Notes Placeholder 2"/>
+          <p:cNvSpPr>
+            <a:spLocks noGrp="1"/>
+          </p:cNvSpPr>
+          <p:nvPr>
+            <p:ph type="body" idx="1"/>
+          </p:nvPr>
+        </p:nvSpPr>
+        <p:spPr/>
+        <p:txBody>
+          <a:bodyPr/>
+          <a:lstStyle/>
+          <a:p>
+            <a:endParaRPr lang="en-US" dirty="0"/>
+          </a:p>
+        </p:txBody>
+      </p:sp>
+      <p:sp>
+        <p:nvSpPr>
+          <p:cNvPr id="4" name="Slide Number Placeholder 3"/>
+          <p:cNvSpPr>
+            <a:spLocks noGrp="1"/>
+          </p:cNvSpPr>
+          <p:nvPr>
+            <p:ph type="sldNum" sz="quarter" idx="5"/>
+          </p:nvPr>
+        </p:nvSpPr>
+        <p:spPr/>
+        <p:txBody>
+          <a:bodyPr/>
+          <a:lstStyle/>
+          <a:p>
+            <a:pPr marL="0" marR="0" lvl="0" indent="0" algn="r" defTabSz="914400" rtl="0" eaLnBrk="1" fontAlgn="auto" latinLnBrk="0" hangingPunct="1">
+              <a:lnSpc>
+                <a:spcPct val="100000"/>
+              </a:lnSpc>
+              <a:spcBef>
+                <a:spcPts val="0"/>
+              </a:spcBef>
+              <a:spcAft>
+                <a:spcPts val="0"/>
+              </a:spcAft>
+              <a:buClrTx/>
+              <a:buSzTx/>
+              <a:buFontTx/>
+              <a:buNone/>
+              <a:tabLst/>
+              <a:defRPr/>
+            </a:pPr>
+            <a:fld id="{33AEA074-24A7-4657-AE02-A51F68EA6AA2}" type="slidenum">
+              <a:rPr kumimoji="0" lang="en-US" sz="1200" b="0" i="0" u="none" strike="noStrike" kern="1200" cap="none" spc="0" normalizeH="0" baseline="0" noProof="0" smtClean="0">
+                <a:ln>
+                  <a:noFill/>
+                </a:ln>
+                <a:solidFill>
+                  <a:prstClr val="black"/>
+                </a:solidFill>
+                <a:effectLst/>
+                <a:uLnTx/>
+                <a:uFillTx/>
+                <a:latin typeface="Calibri" panose="020F0502020204030204"/>
+                <a:ea typeface="+mn-ea"/>
+                <a:cs typeface="+mn-cs"/>
+              </a:rPr>
+              <a:pPr marL="0" marR="0" lvl="0" indent="0" algn="r" defTabSz="914400" rtl="0" eaLnBrk="1" fontAlgn="auto" latinLnBrk="0" hangingPunct="1">
+                <a:lnSpc>
+                  <a:spcPct val="100000"/>
+                </a:lnSpc>
+                <a:spcBef>
+                  <a:spcPts val="0"/>
+                </a:spcBef>
+                <a:spcAft>
+                  <a:spcPts val="0"/>
+                </a:spcAft>
+                <a:buClrTx/>
+                <a:buSzTx/>
+                <a:buFontTx/>
+                <a:buNone/>
+                <a:tabLst/>
+                <a:defRPr/>
+              </a:pPr>
+              <a:t>11</a:t>
             </a:fld>
             <a:endParaRPr kumimoji="0" lang="en-US" sz="1200" b="0" i="0" u="none" strike="noStrike" kern="1200" cap="none" spc="0" normalizeH="0" baseline="0" noProof="0" dirty="0">
               <a:ln>
@@ -7073,6 +7218,180 @@
 <file path=ppt/slides/slide10.xml><?xml version="1.0" encoding="utf-8"?>
 <p:sld xmlns:a="http://schemas.openxmlformats.org/drawingml/2006/main" xmlns:r="http://schemas.openxmlformats.org/officeDocument/2006/relationships" xmlns:p="http://schemas.openxmlformats.org/presentationml/2006/main">
   <p:cSld>
+    <p:spTree>
+      <p:nvGrpSpPr>
+        <p:cNvPr id="1" name=""/>
+        <p:cNvGrpSpPr/>
+        <p:nvPr/>
+      </p:nvGrpSpPr>
+      <p:grpSpPr>
+        <a:xfrm>
+          <a:off x="0" y="0"/>
+          <a:ext cx="0" cy="0"/>
+          <a:chOff x="0" y="0"/>
+          <a:chExt cx="0" cy="0"/>
+        </a:xfrm>
+      </p:grpSpPr>
+      <p:sp>
+        <p:nvSpPr>
+          <p:cNvPr id="2" name="Title 1">
+            <a:extLst>
+              <a:ext uri="{FF2B5EF4-FFF2-40B4-BE49-F238E27FC236}">
+                <a16:creationId xmlns:a16="http://schemas.microsoft.com/office/drawing/2014/main" id="{64EDE733-CC52-48BC-8A07-0D7AD3DA9258}"/>
+              </a:ext>
+            </a:extLst>
+          </p:cNvPr>
+          <p:cNvSpPr>
+            <a:spLocks noGrp="1"/>
+          </p:cNvSpPr>
+          <p:nvPr>
+            <p:ph type="title"/>
+          </p:nvPr>
+        </p:nvSpPr>
+        <p:spPr/>
+        <p:txBody>
+          <a:bodyPr/>
+          <a:lstStyle/>
+          <a:p>
+            <a:r>
+              <a:rPr lang="en-US" dirty="0"/>
+              <a:t>Example from Past CTF’s</a:t>
+            </a:r>
+          </a:p>
+        </p:txBody>
+      </p:sp>
+      <p:sp>
+        <p:nvSpPr>
+          <p:cNvPr id="3" name="Content Placeholder 2">
+            <a:extLst>
+              <a:ext uri="{FF2B5EF4-FFF2-40B4-BE49-F238E27FC236}">
+                <a16:creationId xmlns:a16="http://schemas.microsoft.com/office/drawing/2014/main" id="{1185BC01-2D7B-45EF-9598-8F4E08AFCCB6}"/>
+              </a:ext>
+            </a:extLst>
+          </p:cNvPr>
+          <p:cNvSpPr>
+            <a:spLocks noGrp="1"/>
+          </p:cNvSpPr>
+          <p:nvPr>
+            <p:ph idx="1"/>
+          </p:nvPr>
+        </p:nvSpPr>
+        <p:spPr/>
+        <p:txBody>
+          <a:bodyPr>
+            <a:normAutofit fontScale="92500" lnSpcReduction="10000"/>
+          </a:bodyPr>
+          <a:lstStyle/>
+          <a:p>
+            <a:r>
+              <a:rPr lang="en-US" sz="3000" b="1" dirty="0">
+                <a:latin typeface="Aharoni" panose="02010803020104030203" pitchFamily="2" charset="-79"/>
+                <a:cs typeface="Aharoni" panose="02010803020104030203" pitchFamily="2" charset="-79"/>
+                <a:hlinkClick r:id="rId2"/>
+              </a:rPr>
+              <a:t>https://github.com/JustinApplegate/thatsnotcrypto</a:t>
+            </a:r>
+            <a:r>
+              <a:rPr lang="en-US" sz="3000" b="1" dirty="0">
+                <a:latin typeface="Aharoni" panose="02010803020104030203" pitchFamily="2" charset="-79"/>
+                <a:cs typeface="Aharoni" panose="02010803020104030203" pitchFamily="2" charset="-79"/>
+              </a:rPr>
+              <a:t> </a:t>
+            </a:r>
+          </a:p>
+          <a:p>
+            <a:r>
+              <a:rPr lang="en-US" sz="3000" b="0" i="0" dirty="0">
+                <a:solidFill>
+                  <a:srgbClr val="333333"/>
+                </a:solidFill>
+                <a:effectLst/>
+                <a:latin typeface="Aharoni" panose="02010803020104030203" pitchFamily="2" charset="-79"/>
+                <a:cs typeface="Aharoni" panose="02010803020104030203" pitchFamily="2" charset="-79"/>
+                <a:hlinkClick r:id="rId3"/>
+              </a:rPr>
+              <a:t>https://0awawa0.medium.com/h-cktivitycon-2021-ctf-writeups-b93bc122fecd#06a5</a:t>
+            </a:r>
+            <a:endParaRPr lang="en-US" sz="3000" b="1" i="0" dirty="0">
+              <a:solidFill>
+                <a:srgbClr val="333333"/>
+              </a:solidFill>
+              <a:effectLst/>
+              <a:latin typeface="Aharoni" panose="02010803020104030203" pitchFamily="2" charset="-79"/>
+              <a:cs typeface="Aharoni" panose="02010803020104030203" pitchFamily="2" charset="-79"/>
+            </a:endParaRPr>
+          </a:p>
+          <a:p>
+            <a:r>
+              <a:rPr lang="en-US" sz="3000" b="1" dirty="0">
+                <a:solidFill>
+                  <a:srgbClr val="333333"/>
+                </a:solidFill>
+                <a:effectLst/>
+                <a:latin typeface="Aharoni" panose="02010803020104030203" pitchFamily="2" charset="-79"/>
+                <a:cs typeface="Aharoni" panose="02010803020104030203" pitchFamily="2" charset="-79"/>
+                <a:hlinkClick r:id="rId4"/>
+              </a:rPr>
+              <a:t>https://0awawa0.medium.com/h-cktivitycon-2021-ctf-writeups-b93bc122fecd#8e18</a:t>
+            </a:r>
+            <a:endParaRPr lang="en-US" sz="3000" b="1" dirty="0">
+              <a:solidFill>
+                <a:srgbClr val="333333"/>
+              </a:solidFill>
+              <a:effectLst/>
+              <a:latin typeface="Aharoni" panose="02010803020104030203" pitchFamily="2" charset="-79"/>
+              <a:cs typeface="Aharoni" panose="02010803020104030203" pitchFamily="2" charset="-79"/>
+            </a:endParaRPr>
+          </a:p>
+          <a:p>
+            <a:r>
+              <a:rPr lang="en-US" sz="3000" b="1" dirty="0">
+                <a:solidFill>
+                  <a:srgbClr val="333333"/>
+                </a:solidFill>
+                <a:effectLst/>
+                <a:latin typeface="Aharoni" panose="02010803020104030203" pitchFamily="2" charset="-79"/>
+                <a:cs typeface="Aharoni" panose="02010803020104030203" pitchFamily="2" charset="-79"/>
+                <a:hlinkClick r:id="rId5"/>
+              </a:rPr>
+              <a:t>https://anthares101.github.io/CTFs/H%40cktivityCon_2021/N1P/</a:t>
+            </a:r>
+            <a:endParaRPr lang="en-US" sz="3000" b="1" dirty="0">
+              <a:solidFill>
+                <a:srgbClr val="333333"/>
+              </a:solidFill>
+              <a:effectLst/>
+              <a:latin typeface="Aharoni" panose="02010803020104030203" pitchFamily="2" charset="-79"/>
+              <a:cs typeface="Aharoni" panose="02010803020104030203" pitchFamily="2" charset="-79"/>
+            </a:endParaRPr>
+          </a:p>
+          <a:p>
+            <a:endParaRPr lang="en-US" sz="3600" b="1" dirty="0">
+              <a:solidFill>
+                <a:srgbClr val="333333"/>
+              </a:solidFill>
+              <a:effectLst/>
+              <a:latin typeface="Helvetica Neue"/>
+            </a:endParaRPr>
+          </a:p>
+        </p:txBody>
+      </p:sp>
+    </p:spTree>
+    <p:extLst>
+      <p:ext uri="{BB962C8B-B14F-4D97-AF65-F5344CB8AC3E}">
+        <p14:creationId xmlns:p14="http://schemas.microsoft.com/office/powerpoint/2010/main" val="3334734376"/>
+      </p:ext>
+    </p:extLst>
+  </p:cSld>
+  <p:clrMapOvr>
+    <a:masterClrMapping/>
+  </p:clrMapOvr>
+</p:sld>
+</file>
+
+<file path=ppt/slides/slide11.xml><?xml version="1.0" encoding="utf-8"?>
+<p:sld xmlns:a="http://schemas.openxmlformats.org/drawingml/2006/main" xmlns:r="http://schemas.openxmlformats.org/officeDocument/2006/relationships" xmlns:p="http://schemas.openxmlformats.org/presentationml/2006/main">
+  <p:cSld>
     <p:bg>
       <p:bgPr>
         <a:blipFill rotWithShape="1">
@@ -7290,7 +7609,7 @@
         <p:spPr>
           <a:xfrm>
             <a:off x="337102" y="1380226"/>
-            <a:ext cx="11705373" cy="4031873"/>
+            <a:ext cx="11705373" cy="5016758"/>
           </a:xfrm>
           <a:prstGeom prst="rect">
             <a:avLst/>
@@ -7349,9 +7668,34 @@
           </a:p>
           <a:p>
             <a:r>
-              <a:rPr lang="en-US" sz="3200" dirty="0">
+              <a:rPr lang="en-US" sz="3200">
                 <a:hlinkClick r:id="rId10"/>
               </a:rPr>
+              <a:t>http://math.byu.edu/~doud/Vigenere/</a:t>
+            </a:r>
+            <a:r>
+              <a:rPr lang="en-US" sz="3200"/>
+              <a:t> </a:t>
+            </a:r>
+            <a:endParaRPr lang="en-US" sz="3200" dirty="0"/>
+          </a:p>
+          <a:p>
+            <a:r>
+              <a:rPr lang="en-US" sz="3200" dirty="0">
+                <a:hlinkClick r:id="rId11"/>
+              </a:rPr>
+              <a:t>https://github.com/Ganapati/RsaCtfTool</a:t>
+            </a:r>
+            <a:r>
+              <a:rPr lang="en-US" sz="3200" dirty="0"/>
+              <a:t> </a:t>
+            </a:r>
+          </a:p>
+          <a:p>
+            <a:r>
+              <a:rPr lang="en-US" sz="3200" dirty="0">
+                <a:hlinkClick r:id="rId12"/>
+              </a:rPr>
               <a:t>https://ctf101.org/cryptography/overview/</a:t>
             </a:r>
             <a:r>
@@ -7371,7 +7715,7 @@
           <a:p>
             <a:r>
               <a:rPr lang="en-US" sz="3200" dirty="0">
-                <a:hlinkClick r:id="rId11"/>
+                <a:hlinkClick r:id="rId13"/>
               </a:rPr>
               <a:t>https://www.mysterytwisterc3.org/en/</a:t>
             </a:r>
@@ -7719,8 +8063,8 @@
         </p:nvSpPr>
         <p:spPr>
           <a:xfrm>
-            <a:off x="7195428" y="1762665"/>
-            <a:ext cx="3777728" cy="1026544"/>
+            <a:off x="7146367" y="1724657"/>
+            <a:ext cx="4002297" cy="1026544"/>
           </a:xfrm>
         </p:spPr>
         <p:txBody>
@@ -8263,7 +8607,7 @@
         <p:spPr>
           <a:xfrm>
             <a:off x="-8622" y="10"/>
-            <a:ext cx="6096000" cy="6857990"/>
+            <a:ext cx="3096879" cy="6857990"/>
           </a:xfrm>
           <a:prstGeom prst="rect">
             <a:avLst/>
@@ -8332,8 +8676,8 @@
         </p:nvSpPr>
         <p:spPr>
           <a:xfrm>
-            <a:off x="6475615" y="465513"/>
-            <a:ext cx="4963002" cy="1114537"/>
+            <a:off x="3398808" y="465513"/>
+            <a:ext cx="8039809" cy="1114537"/>
           </a:xfrm>
         </p:spPr>
         <p:txBody>
@@ -8345,7 +8689,7 @@
             <a:pPr algn="l"/>
             <a:r>
               <a:rPr lang="en-US" sz="4000" b="1" dirty="0"/>
-              <a:t>Common Ciphers:</a:t>
+              <a:t>Common Cryptography methods:</a:t>
             </a:r>
           </a:p>
         </p:txBody>
@@ -8368,13 +8712,13 @@
         </p:nvSpPr>
         <p:spPr>
           <a:xfrm>
-            <a:off x="6341087" y="1732449"/>
-            <a:ext cx="4963002" cy="4058751"/>
+            <a:off x="3398808" y="1732449"/>
+            <a:ext cx="8640789" cy="4917733"/>
           </a:xfrm>
         </p:spPr>
         <p:txBody>
           <a:bodyPr anchor="t">
-            <a:normAutofit/>
+            <a:normAutofit fontScale="92500" lnSpcReduction="10000"/>
           </a:bodyPr>
           <a:lstStyle/>
           <a:p>
@@ -8387,7 +8731,16 @@
             </a:r>
             <a:r>
               <a:rPr lang="en-US" sz="2400" dirty="0"/>
-              <a:t> Shift</a:t>
+              <a:t> Shift:</a:t>
+            </a:r>
+          </a:p>
+          <a:p>
+            <a:pPr marL="36900" lvl="0" indent="0">
+              <a:buNone/>
+            </a:pPr>
+            <a:r>
+              <a:rPr lang="en-US" sz="2400" dirty="0"/>
+              <a:t>-  When lettering and spaces look correct with the wrong letters</a:t>
             </a:r>
           </a:p>
           <a:p>
@@ -8413,6 +8766,20 @@
             </a:pPr>
             <a:r>
               <a:rPr lang="en-US" sz="2400" dirty="0"/>
+              <a:t>- Similar to </a:t>
+            </a:r>
+            <a:r>
+              <a:rPr lang="en-US" sz="2400" dirty="0" err="1"/>
+              <a:t>Caeser</a:t>
+            </a:r>
+            <a:endParaRPr lang="en-US" sz="2400" dirty="0"/>
+          </a:p>
+          <a:p>
+            <a:pPr marL="36900" lvl="0" indent="0">
+              <a:buNone/>
+            </a:pPr>
+            <a:r>
+              <a:rPr lang="en-US" sz="2400" dirty="0"/>
               <a:t>Baconian</a:t>
             </a:r>
           </a:p>
@@ -8422,7 +8789,7 @@
             </a:pPr>
             <a:r>
               <a:rPr lang="en-US" sz="2400" dirty="0"/>
-              <a:t>Transposition</a:t>
+              <a:t>- Could be confused with binary (usually base 2 system)</a:t>
             </a:r>
           </a:p>
           <a:p>
@@ -8439,6 +8806,15 @@
               <a:buNone/>
             </a:pPr>
             <a:r>
+              <a:rPr lang="en-US" sz="2400" dirty="0"/>
+              <a:t>- Dots n dashes</a:t>
+            </a:r>
+          </a:p>
+          <a:p>
+            <a:pPr marL="36900" lvl="0" indent="0">
+              <a:buNone/>
+            </a:pPr>
+            <a:r>
               <a:rPr lang="en-US" sz="2400" dirty="0" err="1"/>
               <a:t>Vigenere</a:t>
             </a:r>
@@ -8450,7 +8826,7 @@
             </a:pPr>
             <a:r>
               <a:rPr lang="en-US" sz="2400" dirty="0"/>
-              <a:t>Base 64</a:t>
+              <a:t>- If the above don’t work, Possible key is given</a:t>
             </a:r>
           </a:p>
           <a:p>
@@ -8472,6 +8848,363 @@
 </file>
 
 <file path=ppt/slides/slide5.xml><?xml version="1.0" encoding="utf-8"?>
+<p:sld xmlns:a="http://schemas.openxmlformats.org/drawingml/2006/main" xmlns:r="http://schemas.openxmlformats.org/officeDocument/2006/relationships" xmlns:p="http://schemas.openxmlformats.org/presentationml/2006/main">
+  <p:cSld>
+    <p:bg>
+      <p:bgPr>
+        <a:blipFill rotWithShape="1">
+          <a:blip r:embed="rId4">
+            <a:duotone>
+              <a:schemeClr val="bg1">
+                <a:shade val="80000"/>
+                <a:lumMod val="80000"/>
+              </a:schemeClr>
+              <a:schemeClr val="bg1">
+                <a:tint val="98000"/>
+              </a:schemeClr>
+            </a:duotone>
+          </a:blip>
+          <a:stretch/>
+        </a:blipFill>
+        <a:effectLst/>
+      </p:bgPr>
+    </p:bg>
+    <p:spTree>
+      <p:nvGrpSpPr>
+        <p:cNvPr id="1" name=""/>
+        <p:cNvGrpSpPr/>
+        <p:nvPr/>
+      </p:nvGrpSpPr>
+      <p:grpSpPr>
+        <a:xfrm>
+          <a:off x="0" y="0"/>
+          <a:ext cx="0" cy="0"/>
+          <a:chOff x="0" y="0"/>
+          <a:chExt cx="0" cy="0"/>
+        </a:xfrm>
+      </p:grpSpPr>
+      <p:sp useBgFill="1">
+        <p:nvSpPr>
+          <p:cNvPr id="55" name="Rectangle 54">
+            <a:extLst>
+              <a:ext uri="{FF2B5EF4-FFF2-40B4-BE49-F238E27FC236}">
+                <a16:creationId xmlns:a16="http://schemas.microsoft.com/office/drawing/2014/main" id="{0EF2A0DA-AE81-4A45-972E-646AC2870C2F}"/>
+              </a:ext>
+              <a:ext uri="{C183D7F6-B498-43B3-948B-1728B52AA6E4}">
+                <adec:decorative xmlns:adec="http://schemas.microsoft.com/office/drawing/2017/decorative" val="1"/>
+              </a:ext>
+            </a:extLst>
+          </p:cNvPr>
+          <p:cNvSpPr>
+            <a:spLocks noGrp="1" noRot="1" noChangeAspect="1" noMove="1" noResize="1" noEditPoints="1" noAdjustHandles="1" noChangeArrowheads="1" noChangeShapeType="1" noTextEdit="1"/>
+          </p:cNvSpPr>
+          <p:nvPr>
+            <p:extLst>
+              <p:ext uri="{386F3935-93C4-4BCD-93E2-E3B085C9AB24}">
+                <p16:designElem xmlns:p16="http://schemas.microsoft.com/office/powerpoint/2015/main" val="1"/>
+              </p:ext>
+            </p:extLst>
+          </p:nvPr>
+        </p:nvSpPr>
+        <p:spPr>
+          <a:xfrm>
+            <a:off x="0" y="0"/>
+            <a:ext cx="12192000" cy="6858000"/>
+          </a:xfrm>
+          <a:prstGeom prst="rect">
+            <a:avLst/>
+          </a:prstGeom>
+          <a:ln>
+            <a:noFill/>
+          </a:ln>
+        </p:spPr>
+        <p:style>
+          <a:lnRef idx="2">
+            <a:schemeClr val="accent1">
+              <a:shade val="50000"/>
+            </a:schemeClr>
+          </a:lnRef>
+          <a:fillRef idx="1">
+            <a:schemeClr val="accent1"/>
+          </a:fillRef>
+          <a:effectRef idx="0">
+            <a:schemeClr val="accent1"/>
+          </a:effectRef>
+          <a:fontRef idx="minor">
+            <a:schemeClr val="lt1"/>
+          </a:fontRef>
+        </p:style>
+        <p:txBody>
+          <a:bodyPr rtlCol="0" anchor="ctr"/>
+          <a:lstStyle/>
+          <a:p>
+            <a:pPr marL="0" marR="0" lvl="0" indent="0" algn="ctr" defTabSz="914400" rtl="0" eaLnBrk="1" fontAlgn="auto" latinLnBrk="0" hangingPunct="1">
+              <a:lnSpc>
+                <a:spcPct val="100000"/>
+              </a:lnSpc>
+              <a:spcBef>
+                <a:spcPts val="0"/>
+              </a:spcBef>
+              <a:spcAft>
+                <a:spcPts val="0"/>
+              </a:spcAft>
+              <a:buClrTx/>
+              <a:buSzTx/>
+              <a:buFontTx/>
+              <a:buNone/>
+              <a:tabLst/>
+              <a:defRPr/>
+            </a:pPr>
+            <a:endParaRPr kumimoji="0" lang="en-US" sz="1800" b="0" i="0" u="none" strike="noStrike" kern="1200" cap="none" spc="0" normalizeH="0" baseline="0" noProof="0" dirty="0">
+              <a:ln>
+                <a:noFill/>
+              </a:ln>
+              <a:solidFill>
+                <a:prstClr val="white"/>
+              </a:solidFill>
+              <a:effectLst/>
+              <a:uLnTx/>
+              <a:uFillTx/>
+              <a:latin typeface="Goudy Old Style"/>
+              <a:ea typeface="+mn-ea"/>
+              <a:cs typeface="+mn-cs"/>
+            </a:endParaRPr>
+          </a:p>
+        </p:txBody>
+      </p:sp>
+      <p:pic>
+        <p:nvPicPr>
+          <p:cNvPr id="3" name="Picture 2">
+            <a:extLst>
+              <a:ext uri="{FF2B5EF4-FFF2-40B4-BE49-F238E27FC236}">
+                <a16:creationId xmlns:a16="http://schemas.microsoft.com/office/drawing/2014/main" id="{72B2D6DE-C9B5-4678-91EF-77E85F2350DA}"/>
+              </a:ext>
+              <a:ext uri="{C183D7F6-B498-43B3-948B-1728B52AA6E4}">
+                <adec:decorative xmlns:adec="http://schemas.microsoft.com/office/drawing/2017/decorative" val="1"/>
+              </a:ext>
+            </a:extLst>
+          </p:cNvPr>
+          <p:cNvPicPr>
+            <a:picLocks noChangeAspect="1"/>
+          </p:cNvPicPr>
+          <p:nvPr/>
+        </p:nvPicPr>
+        <p:blipFill rotWithShape="1">
+          <a:blip r:embed="rId5">
+            <a:extLst>
+              <a:ext uri="{28A0092B-C50C-407E-A947-70E740481C1C}">
+                <a14:useLocalDpi xmlns:a14="http://schemas.microsoft.com/office/drawing/2010/main" val="0"/>
+              </a:ext>
+            </a:extLst>
+          </a:blip>
+          <a:srcRect b="-1"/>
+          <a:stretch/>
+        </p:blipFill>
+        <p:spPr>
+          <a:xfrm>
+            <a:off x="-8622" y="10"/>
+            <a:ext cx="3096879" cy="6857990"/>
+          </a:xfrm>
+          <a:prstGeom prst="rect">
+            <a:avLst/>
+          </a:prstGeom>
+        </p:spPr>
+      </p:pic>
+      <p:pic>
+        <p:nvPicPr>
+          <p:cNvPr id="57" name="Picture 56">
+            <a:extLst>
+              <a:ext uri="{FF2B5EF4-FFF2-40B4-BE49-F238E27FC236}">
+                <a16:creationId xmlns:a16="http://schemas.microsoft.com/office/drawing/2014/main" id="{B536FA4E-0152-4E27-91DA-0FC22D1846BB}"/>
+              </a:ext>
+              <a:ext uri="{C183D7F6-B498-43B3-948B-1728B52AA6E4}">
+                <adec:decorative xmlns:adec="http://schemas.microsoft.com/office/drawing/2017/decorative" val="1"/>
+              </a:ext>
+            </a:extLst>
+          </p:cNvPr>
+          <p:cNvPicPr>
+            <a:picLocks noGrp="1" noRot="1" noChangeAspect="1" noMove="1" noResize="1" noEditPoints="1" noAdjustHandles="1" noChangeArrowheads="1" noChangeShapeType="1" noCrop="1"/>
+          </p:cNvPicPr>
+          <p:nvPr>
+            <p:extLst>
+              <p:ext uri="{386F3935-93C4-4BCD-93E2-E3B085C9AB24}">
+                <p16:designElem xmlns:p16="http://schemas.microsoft.com/office/powerpoint/2015/main" val="1"/>
+              </p:ext>
+            </p:extLst>
+          </p:nvPr>
+        </p:nvPicPr>
+        <p:blipFill rotWithShape="1">
+          <a:blip r:embed="rId6">
+            <a:extLst>
+              <a:ext uri="{28A0092B-C50C-407E-A947-70E740481C1C}">
+                <a14:useLocalDpi xmlns:a14="http://schemas.microsoft.com/office/drawing/2010/main" val="0"/>
+              </a:ext>
+            </a:extLst>
+          </a:blip>
+          <a:srcRect/>
+          <a:stretch/>
+        </p:blipFill>
+        <p:spPr>
+          <a:xfrm>
+            <a:off x="6257026" y="1"/>
+            <a:ext cx="5934973" cy="6858000"/>
+          </a:xfrm>
+          <a:prstGeom prst="rect">
+            <a:avLst/>
+          </a:prstGeom>
+        </p:spPr>
+      </p:pic>
+      <p:sp>
+        <p:nvSpPr>
+          <p:cNvPr id="2" name="Title 1">
+            <a:extLst>
+              <a:ext uri="{FF2B5EF4-FFF2-40B4-BE49-F238E27FC236}">
+                <a16:creationId xmlns:a16="http://schemas.microsoft.com/office/drawing/2014/main" id="{89559F60-4CE1-4E2F-86EA-1B60679F1F4A}"/>
+              </a:ext>
+            </a:extLst>
+          </p:cNvPr>
+          <p:cNvSpPr>
+            <a:spLocks noGrp="1"/>
+          </p:cNvSpPr>
+          <p:nvPr>
+            <p:ph type="title"/>
+          </p:nvPr>
+        </p:nvSpPr>
+        <p:spPr>
+          <a:xfrm>
+            <a:off x="3398808" y="465513"/>
+            <a:ext cx="8039809" cy="1114537"/>
+          </a:xfrm>
+        </p:spPr>
+        <p:txBody>
+          <a:bodyPr anchor="b">
+            <a:normAutofit/>
+          </a:bodyPr>
+          <a:lstStyle/>
+          <a:p>
+            <a:pPr algn="l"/>
+            <a:r>
+              <a:rPr lang="en-US" sz="4000" b="1" dirty="0"/>
+              <a:t>Common Encryption methods:</a:t>
+            </a:r>
+          </a:p>
+        </p:txBody>
+      </p:sp>
+      <p:sp>
+        <p:nvSpPr>
+          <p:cNvPr id="24" name="Content Placeholder 2">
+            <a:extLst>
+              <a:ext uri="{FF2B5EF4-FFF2-40B4-BE49-F238E27FC236}">
+                <a16:creationId xmlns:a16="http://schemas.microsoft.com/office/drawing/2014/main" id="{F260476B-CCA6-412B-A9C5-399C34AE6F05}"/>
+              </a:ext>
+            </a:extLst>
+          </p:cNvPr>
+          <p:cNvSpPr>
+            <a:spLocks noGrp="1"/>
+          </p:cNvSpPr>
+          <p:nvPr>
+            <p:ph idx="1"/>
+          </p:nvPr>
+        </p:nvSpPr>
+        <p:spPr>
+          <a:xfrm>
+            <a:off x="3398808" y="1732449"/>
+            <a:ext cx="8640789" cy="4917733"/>
+          </a:xfrm>
+        </p:spPr>
+        <p:txBody>
+          <a:bodyPr anchor="t">
+            <a:normAutofit/>
+          </a:bodyPr>
+          <a:lstStyle/>
+          <a:p>
+            <a:pPr marL="36900" lvl="0" indent="0">
+              <a:lnSpc>
+                <a:spcPct val="100000"/>
+              </a:lnSpc>
+              <a:buNone/>
+            </a:pPr>
+            <a:r>
+              <a:rPr lang="en-US" sz="2800" dirty="0"/>
+              <a:t>AES</a:t>
+            </a:r>
+          </a:p>
+          <a:p>
+            <a:pPr marL="36900" lvl="0" indent="0">
+              <a:lnSpc>
+                <a:spcPct val="100000"/>
+              </a:lnSpc>
+              <a:buNone/>
+            </a:pPr>
+            <a:r>
+              <a:rPr lang="en-US" sz="2800" dirty="0"/>
+              <a:t>RSA</a:t>
+            </a:r>
+          </a:p>
+          <a:p>
+            <a:pPr lvl="0">
+              <a:lnSpc>
+                <a:spcPct val="100000"/>
+              </a:lnSpc>
+              <a:buFontTx/>
+              <a:buChar char="-"/>
+            </a:pPr>
+            <a:r>
+              <a:rPr lang="en-US" sz="2800" dirty="0"/>
+              <a:t>N, E, C, Parts of the Encryption</a:t>
+            </a:r>
+          </a:p>
+          <a:p>
+            <a:pPr marL="36900" lvl="0" indent="0">
+              <a:lnSpc>
+                <a:spcPct val="100000"/>
+              </a:lnSpc>
+              <a:buNone/>
+            </a:pPr>
+            <a:r>
+              <a:rPr lang="en-US" sz="2800" dirty="0"/>
+              <a:t>Diffie-</a:t>
+            </a:r>
+            <a:r>
+              <a:rPr lang="en-US" sz="2800" dirty="0" err="1"/>
+              <a:t>Hellmen</a:t>
+            </a:r>
+            <a:endParaRPr lang="en-US" sz="2800" dirty="0"/>
+          </a:p>
+          <a:p>
+            <a:pPr marL="36900" lvl="0" indent="0">
+              <a:lnSpc>
+                <a:spcPct val="100000"/>
+              </a:lnSpc>
+              <a:buNone/>
+            </a:pPr>
+            <a:r>
+              <a:rPr lang="en-US" sz="2800" dirty="0"/>
+              <a:t>DES/3DES</a:t>
+            </a:r>
+          </a:p>
+          <a:p>
+            <a:pPr marL="36900" lvl="0" indent="0">
+              <a:buNone/>
+            </a:pPr>
+            <a:endParaRPr lang="en-US" sz="2400" dirty="0"/>
+          </a:p>
+        </p:txBody>
+      </p:sp>
+    </p:spTree>
+    <p:extLst>
+      <p:ext uri="{BB962C8B-B14F-4D97-AF65-F5344CB8AC3E}">
+        <p14:creationId xmlns:p14="http://schemas.microsoft.com/office/powerpoint/2010/main" val="3786426082"/>
+      </p:ext>
+    </p:extLst>
+  </p:cSld>
+  <p:clrMapOvr>
+    <a:masterClrMapping/>
+  </p:clrMapOvr>
+</p:sld>
+</file>
+
+<file path=ppt/slides/slide6.xml><?xml version="1.0" encoding="utf-8"?>
 <p:sld xmlns:a="http://schemas.openxmlformats.org/drawingml/2006/main" xmlns:r="http://schemas.openxmlformats.org/officeDocument/2006/relationships" xmlns:p="http://schemas.openxmlformats.org/presentationml/2006/main">
   <p:cSld>
     <p:bg>
@@ -8739,7 +9472,7 @@
         </p:spPr>
         <p:txBody>
           <a:bodyPr anchor="t">
-            <a:normAutofit/>
+            <a:normAutofit fontScale="92500" lnSpcReduction="10000"/>
           </a:bodyPr>
           <a:lstStyle/>
           <a:p>
@@ -8769,13 +9502,23 @@
           <a:p>
             <a:r>
               <a:rPr lang="en-US" sz="2600" b="1" dirty="0"/>
-              <a:t>Related: </a:t>
-            </a:r>
-            <a:r>
-              <a:rPr lang="en-US" sz="2600" b="1"/>
-              <a:t>Hashing Algorithms</a:t>
-            </a:r>
-            <a:endParaRPr lang="en-US" sz="2600" b="1" dirty="0"/>
+              <a:t>Related: Hashing Algorithms</a:t>
+            </a:r>
+          </a:p>
+          <a:p>
+            <a:r>
+              <a:rPr lang="en-US" sz="2600" b="1" dirty="0"/>
+              <a:t>Blockchain </a:t>
+            </a:r>
+          </a:p>
+          <a:p>
+            <a:pPr marL="36900" indent="0">
+              <a:buNone/>
+            </a:pPr>
+            <a:r>
+              <a:rPr lang="en-US" sz="2600" b="1" dirty="0"/>
+              <a:t>Pictured is an Asymmetric Method</a:t>
+            </a:r>
           </a:p>
         </p:txBody>
       </p:sp>
@@ -8822,138 +9565,6 @@
 </p:sld>
 </file>
 
-<file path=ppt/slides/slide6.xml><?xml version="1.0" encoding="utf-8"?>
-<p:sld xmlns:a="http://schemas.openxmlformats.org/drawingml/2006/main" xmlns:r="http://schemas.openxmlformats.org/officeDocument/2006/relationships" xmlns:p="http://schemas.openxmlformats.org/presentationml/2006/main">
-  <p:cSld>
-    <p:spTree>
-      <p:nvGrpSpPr>
-        <p:cNvPr id="1" name=""/>
-        <p:cNvGrpSpPr/>
-        <p:nvPr/>
-      </p:nvGrpSpPr>
-      <p:grpSpPr>
-        <a:xfrm>
-          <a:off x="0" y="0"/>
-          <a:ext cx="0" cy="0"/>
-          <a:chOff x="0" y="0"/>
-          <a:chExt cx="0" cy="0"/>
-        </a:xfrm>
-      </p:grpSpPr>
-      <p:sp>
-        <p:nvSpPr>
-          <p:cNvPr id="2" name="Title 1">
-            <a:extLst>
-              <a:ext uri="{FF2B5EF4-FFF2-40B4-BE49-F238E27FC236}">
-                <a16:creationId xmlns:a16="http://schemas.microsoft.com/office/drawing/2014/main" id="{6FC417DF-F63E-47D5-B3A0-726721450350}"/>
-              </a:ext>
-            </a:extLst>
-          </p:cNvPr>
-          <p:cNvSpPr>
-            <a:spLocks noGrp="1"/>
-          </p:cNvSpPr>
-          <p:nvPr>
-            <p:ph type="title"/>
-          </p:nvPr>
-        </p:nvSpPr>
-        <p:spPr/>
-        <p:txBody>
-          <a:bodyPr/>
-          <a:lstStyle/>
-          <a:p>
-            <a:r>
-              <a:rPr lang="en-US" dirty="0"/>
-              <a:t>Key Vocabulary:</a:t>
-            </a:r>
-          </a:p>
-        </p:txBody>
-      </p:sp>
-      <p:sp>
-        <p:nvSpPr>
-          <p:cNvPr id="3" name="Content Placeholder 2">
-            <a:extLst>
-              <a:ext uri="{FF2B5EF4-FFF2-40B4-BE49-F238E27FC236}">
-                <a16:creationId xmlns:a16="http://schemas.microsoft.com/office/drawing/2014/main" id="{6C045654-70F7-4FE5-9835-D91DDA12765F}"/>
-              </a:ext>
-            </a:extLst>
-          </p:cNvPr>
-          <p:cNvSpPr>
-            <a:spLocks noGrp="1"/>
-          </p:cNvSpPr>
-          <p:nvPr>
-            <p:ph idx="1"/>
-          </p:nvPr>
-        </p:nvSpPr>
-        <p:spPr>
-          <a:xfrm>
-            <a:off x="396814" y="2076450"/>
-            <a:ext cx="11404121" cy="3714749"/>
-          </a:xfrm>
-        </p:spPr>
-        <p:txBody>
-          <a:bodyPr/>
-          <a:lstStyle/>
-          <a:p>
-            <a:r>
-              <a:rPr lang="en-US" dirty="0"/>
-              <a:t>Ciphertext: encrypted text transformed from plaintext using an encryption algorithm</a:t>
-            </a:r>
-          </a:p>
-          <a:p>
-            <a:r>
-              <a:rPr lang="en-US" dirty="0"/>
-              <a:t>Plain text: Text that is readable, not specially formatted or written in code</a:t>
-            </a:r>
-          </a:p>
-          <a:p>
-            <a:r>
-              <a:rPr lang="en-US" dirty="0"/>
-              <a:t>Hash: Mathematical algorithm that maps data of an arbitrary size into a bit array of fixed size</a:t>
-            </a:r>
-          </a:p>
-          <a:p>
-            <a:r>
-              <a:rPr lang="en-US" dirty="0"/>
-              <a:t>Algorithm: Procedure that is carried out in sequential steps to solve a problem</a:t>
-            </a:r>
-          </a:p>
-          <a:p>
-            <a:r>
-              <a:rPr lang="en-US" dirty="0"/>
-              <a:t>Encryption: Process of converting information or data into a code</a:t>
-            </a:r>
-          </a:p>
-          <a:p>
-            <a:r>
-              <a:rPr lang="en-US" dirty="0"/>
-              <a:t>Salt: An arbitrary value added to a plaintext before hashing </a:t>
-            </a:r>
-          </a:p>
-          <a:p>
-            <a:r>
-              <a:rPr lang="en-US" dirty="0"/>
-              <a:t>Block Cipher: Data that is encrypted </a:t>
-            </a:r>
-            <a:r>
-              <a:rPr lang="en-US"/>
-              <a:t>in chunks or blocks. </a:t>
-            </a:r>
-            <a:endParaRPr lang="en-US" dirty="0"/>
-          </a:p>
-        </p:txBody>
-      </p:sp>
-    </p:spTree>
-    <p:extLst>
-      <p:ext uri="{BB962C8B-B14F-4D97-AF65-F5344CB8AC3E}">
-        <p14:creationId xmlns:p14="http://schemas.microsoft.com/office/powerpoint/2010/main" val="769770896"/>
-      </p:ext>
-    </p:extLst>
-  </p:cSld>
-  <p:clrMapOvr>
-    <a:masterClrMapping/>
-  </p:clrMapOvr>
-</p:sld>
-</file>
-
 <file path=ppt/slides/slide7.xml><?xml version="1.0" encoding="utf-8"?>
 <p:sld xmlns:a="http://schemas.openxmlformats.org/drawingml/2006/main" xmlns:r="http://schemas.openxmlformats.org/officeDocument/2006/relationships" xmlns:p="http://schemas.openxmlformats.org/presentationml/2006/main">
   <p:cSld>
@@ -8976,7 +9587,7 @@
           <p:cNvPr id="2" name="Title 1">
             <a:extLst>
               <a:ext uri="{FF2B5EF4-FFF2-40B4-BE49-F238E27FC236}">
-                <a16:creationId xmlns:a16="http://schemas.microsoft.com/office/drawing/2014/main" id="{F69EC2E7-1C12-44AF-BE20-1FC8EF6DC9C0}"/>
+                <a16:creationId xmlns:a16="http://schemas.microsoft.com/office/drawing/2014/main" id="{6FC417DF-F63E-47D5-B3A0-726721450350}"/>
               </a:ext>
             </a:extLst>
           </p:cNvPr>
@@ -8994,7 +9605,7 @@
           <a:p>
             <a:r>
               <a:rPr lang="en-US" dirty="0"/>
-              <a:t>Strategies and Tools:</a:t>
+              <a:t>Key Vocabulary:</a:t>
             </a:r>
           </a:p>
         </p:txBody>
@@ -9004,7 +9615,7 @@
           <p:cNvPr id="3" name="Content Placeholder 2">
             <a:extLst>
               <a:ext uri="{FF2B5EF4-FFF2-40B4-BE49-F238E27FC236}">
-                <a16:creationId xmlns:a16="http://schemas.microsoft.com/office/drawing/2014/main" id="{50126305-AA85-4229-BDFB-D5503EAD4C32}"/>
+                <a16:creationId xmlns:a16="http://schemas.microsoft.com/office/drawing/2014/main" id="{6C045654-70F7-4FE5-9835-D91DDA12765F}"/>
               </a:ext>
             </a:extLst>
           </p:cNvPr>
@@ -9015,46 +9626,63 @@
             <p:ph idx="1"/>
           </p:nvPr>
         </p:nvSpPr>
-        <p:spPr/>
-        <p:txBody>
-          <a:bodyPr>
-            <a:normAutofit fontScale="92500"/>
-          </a:bodyPr>
+        <p:spPr>
+          <a:xfrm>
+            <a:off x="396814" y="2076450"/>
+            <a:ext cx="11404121" cy="3714749"/>
+          </a:xfrm>
+        </p:spPr>
+        <p:txBody>
+          <a:bodyPr/>
           <a:lstStyle/>
           <a:p>
             <a:r>
-              <a:rPr lang="en-US" sz="3200" b="1" dirty="0"/>
-              <a:t>For basic Ciphers, the best strategy is experience and brute forcing</a:t>
-            </a:r>
-          </a:p>
-          <a:p>
-            <a:r>
-              <a:rPr lang="en-US" sz="3200" b="1" dirty="0"/>
-              <a:t>Algorithms &amp; hashing problems: </a:t>
-            </a:r>
-          </a:p>
-          <a:p>
-            <a:pPr lvl="1"/>
-            <a:r>
-              <a:rPr lang="en-US" sz="2800" b="1" dirty="0"/>
-              <a:t>Break down the source code, comment along each step, and write a wrapping program that brute forces the hashing until results match</a:t>
-            </a:r>
-          </a:p>
-          <a:p>
-            <a:r>
-              <a:rPr lang="en-US" sz="3200" b="1" dirty="0"/>
-              <a:t>Lots of opensource tools and repos: check the next slide</a:t>
-            </a:r>
-          </a:p>
-          <a:p>
-            <a:endParaRPr lang="en-US" sz="2800" b="1" dirty="0"/>
+              <a:rPr lang="en-US" dirty="0"/>
+              <a:t>Ciphertext: encrypted text transformed from plaintext using an encryption algorithm</a:t>
+            </a:r>
+          </a:p>
+          <a:p>
+            <a:r>
+              <a:rPr lang="en-US" dirty="0"/>
+              <a:t>Plain text: Text that is readable, not specially formatted or written in code</a:t>
+            </a:r>
+          </a:p>
+          <a:p>
+            <a:r>
+              <a:rPr lang="en-US" dirty="0"/>
+              <a:t>Hash: Mathematical algorithm that maps data of an arbitrary size into a bit array of fixed size</a:t>
+            </a:r>
+          </a:p>
+          <a:p>
+            <a:r>
+              <a:rPr lang="en-US" dirty="0"/>
+              <a:t>Algorithm: Procedure that is carried out in sequential steps to solve a problem</a:t>
+            </a:r>
+          </a:p>
+          <a:p>
+            <a:r>
+              <a:rPr lang="en-US" dirty="0"/>
+              <a:t>Encryption: Process of converting information or data into a code</a:t>
+            </a:r>
+          </a:p>
+          <a:p>
+            <a:r>
+              <a:rPr lang="en-US" dirty="0"/>
+              <a:t>Salt: An arbitrary value added to a plaintext before hashing </a:t>
+            </a:r>
+          </a:p>
+          <a:p>
+            <a:r>
+              <a:rPr lang="en-US" dirty="0"/>
+              <a:t>Block Cipher: Data that is encrypted in chunks or blocks. </a:t>
+            </a:r>
           </a:p>
         </p:txBody>
       </p:sp>
     </p:spTree>
     <p:extLst>
       <p:ext uri="{BB962C8B-B14F-4D97-AF65-F5344CB8AC3E}">
-        <p14:creationId xmlns:p14="http://schemas.microsoft.com/office/powerpoint/2010/main" val="349744771"/>
+        <p14:creationId xmlns:p14="http://schemas.microsoft.com/office/powerpoint/2010/main" val="769770896"/>
       </p:ext>
     </p:extLst>
   </p:cSld>
@@ -9086,7 +9714,7 @@
           <p:cNvPr id="2" name="Title 1">
             <a:extLst>
               <a:ext uri="{FF2B5EF4-FFF2-40B4-BE49-F238E27FC236}">
-                <a16:creationId xmlns:a16="http://schemas.microsoft.com/office/drawing/2014/main" id="{867775C7-40D6-47E0-8311-DDAB4401F512}"/>
+                <a16:creationId xmlns:a16="http://schemas.microsoft.com/office/drawing/2014/main" id="{F69EC2E7-1C12-44AF-BE20-1FC8EF6DC9C0}"/>
               </a:ext>
             </a:extLst>
           </p:cNvPr>
@@ -9104,7 +9732,7 @@
           <a:p>
             <a:r>
               <a:rPr lang="en-US" dirty="0"/>
-              <a:t>DEMO: </a:t>
+              <a:t>Strategies and Tools:</a:t>
             </a:r>
           </a:p>
         </p:txBody>
@@ -9114,7 +9742,7 @@
           <p:cNvPr id="3" name="Content Placeholder 2">
             <a:extLst>
               <a:ext uri="{FF2B5EF4-FFF2-40B4-BE49-F238E27FC236}">
-                <a16:creationId xmlns:a16="http://schemas.microsoft.com/office/drawing/2014/main" id="{E4372C72-8E55-48DF-AFAE-C58B858B93AE}"/>
+                <a16:creationId xmlns:a16="http://schemas.microsoft.com/office/drawing/2014/main" id="{50126305-AA85-4229-BDFB-D5503EAD4C32}"/>
               </a:ext>
             </a:extLst>
           </p:cNvPr>
@@ -9125,92 +9753,46 @@
             <p:ph idx="1"/>
           </p:nvPr>
         </p:nvSpPr>
-        <p:spPr>
-          <a:xfrm>
-            <a:off x="913795" y="1571625"/>
-            <a:ext cx="10353762" cy="3714749"/>
-          </a:xfrm>
-        </p:spPr>
+        <p:spPr/>
         <p:txBody>
           <a:bodyPr>
-            <a:noAutofit/>
+            <a:normAutofit/>
           </a:bodyPr>
           <a:lstStyle/>
           <a:p>
             <a:r>
-              <a:rPr lang="en-US" sz="2800" dirty="0"/>
-              <a:t>Let’s work on </a:t>
-            </a:r>
-            <a:r>
-              <a:rPr lang="en-US" sz="2800" dirty="0" err="1"/>
-              <a:t>CTFLearn</a:t>
-            </a:r>
-            <a:r>
-              <a:rPr lang="en-US" sz="2800" dirty="0"/>
-              <a:t>, Crypto Challenges:</a:t>
+              <a:rPr lang="en-US" sz="3200" b="1" dirty="0"/>
+              <a:t>For basic Ciphers, the best strategy is recognizing ciphers</a:t>
+            </a:r>
+          </a:p>
+          <a:p>
+            <a:r>
+              <a:rPr lang="en-US" sz="3200" b="1" dirty="0"/>
+              <a:t>Algorithms &amp; hashing problems: </a:t>
             </a:r>
           </a:p>
           <a:p>
             <a:pPr lvl="1"/>
             <a:r>
-              <a:rPr lang="en-US" sz="2800" dirty="0"/>
-              <a:t>Character Encoding</a:t>
-            </a:r>
-          </a:p>
-          <a:p>
-            <a:pPr lvl="1"/>
-            <a:r>
-              <a:rPr lang="en-US" sz="2800" dirty="0"/>
-              <a:t>Base 2 2 the 6</a:t>
-            </a:r>
-          </a:p>
-          <a:p>
-            <a:pPr lvl="1"/>
-            <a:r>
-              <a:rPr lang="en-US" sz="2800" dirty="0"/>
-              <a:t>Morse Code</a:t>
-            </a:r>
-          </a:p>
-          <a:p>
-            <a:pPr lvl="1"/>
-            <a:r>
-              <a:rPr lang="en-US" sz="2800" dirty="0" err="1"/>
-              <a:t>Vignere</a:t>
-            </a:r>
-            <a:r>
-              <a:rPr lang="en-US" sz="2800" dirty="0"/>
-              <a:t> Cipher</a:t>
-            </a:r>
-          </a:p>
-          <a:p>
-            <a:pPr lvl="1"/>
-            <a:r>
-              <a:rPr lang="en-US" sz="2800" dirty="0" err="1"/>
-              <a:t>BruXOR</a:t>
-            </a:r>
-            <a:endParaRPr lang="en-US" sz="2800" dirty="0"/>
-          </a:p>
-          <a:p>
-            <a:pPr lvl="1"/>
-            <a:r>
-              <a:rPr lang="en-US" sz="2800" dirty="0"/>
-              <a:t>Reverse Polarity</a:t>
-            </a:r>
-          </a:p>
-          <a:p>
-            <a:pPr lvl="1"/>
-            <a:r>
-              <a:rPr lang="en-US" sz="2800" dirty="0" err="1"/>
-              <a:t>Hextraordinary</a:t>
-            </a:r>
-            <a:endParaRPr lang="en-US" sz="2800" dirty="0"/>
+              <a:rPr lang="en-US" sz="2800" b="1" dirty="0"/>
+              <a:t>Break down the source code, comment along each step</a:t>
+            </a:r>
+          </a:p>
+          <a:p>
+            <a:r>
+              <a:rPr lang="en-US" sz="3400" b="1" dirty="0"/>
+              <a:t>Lots of opensource tools and repos: check the next slide</a:t>
+            </a:r>
+          </a:p>
+          <a:p>
+            <a:endParaRPr lang="en-US" sz="2800" b="1" dirty="0"/>
           </a:p>
         </p:txBody>
       </p:sp>
     </p:spTree>
     <p:extLst>
       <p:ext uri="{BB962C8B-B14F-4D97-AF65-F5344CB8AC3E}">
-        <p14:creationId xmlns:p14="http://schemas.microsoft.com/office/powerpoint/2010/main" val="3246374333"/>
+        <p14:creationId xmlns:p14="http://schemas.microsoft.com/office/powerpoint/2010/main" val="349744771"/>
       </p:ext>
     </p:extLst>
   </p:cSld>
@@ -9242,7 +9824,7 @@
           <p:cNvPr id="2" name="Title 1">
             <a:extLst>
               <a:ext uri="{FF2B5EF4-FFF2-40B4-BE49-F238E27FC236}">
-                <a16:creationId xmlns:a16="http://schemas.microsoft.com/office/drawing/2014/main" id="{64EDE733-CC52-48BC-8A07-0D7AD3DA9258}"/>
+                <a16:creationId xmlns:a16="http://schemas.microsoft.com/office/drawing/2014/main" id="{867775C7-40D6-47E0-8311-DDAB4401F512}"/>
               </a:ext>
             </a:extLst>
           </p:cNvPr>
@@ -9260,7 +9842,7 @@
           <a:p>
             <a:r>
               <a:rPr lang="en-US" dirty="0"/>
-              <a:t>Example from Past CTF’s</a:t>
+              <a:t>DEMO: </a:t>
             </a:r>
           </a:p>
         </p:txBody>
@@ -9270,7 +9852,7 @@
           <p:cNvPr id="3" name="Content Placeholder 2">
             <a:extLst>
               <a:ext uri="{FF2B5EF4-FFF2-40B4-BE49-F238E27FC236}">
-                <a16:creationId xmlns:a16="http://schemas.microsoft.com/office/drawing/2014/main" id="{1185BC01-2D7B-45EF-9598-8F4E08AFCCB6}"/>
+                <a16:creationId xmlns:a16="http://schemas.microsoft.com/office/drawing/2014/main" id="{E4372C72-8E55-48DF-AFAE-C58B858B93AE}"/>
               </a:ext>
             </a:extLst>
           </p:cNvPr>
@@ -9281,110 +9863,92 @@
             <p:ph idx="1"/>
           </p:nvPr>
         </p:nvSpPr>
-        <p:spPr/>
+        <p:spPr>
+          <a:xfrm>
+            <a:off x="913795" y="1571625"/>
+            <a:ext cx="10353762" cy="3714749"/>
+          </a:xfrm>
+        </p:spPr>
         <p:txBody>
           <a:bodyPr>
-            <a:normAutofit fontScale="92500" lnSpcReduction="10000"/>
+            <a:noAutofit/>
           </a:bodyPr>
           <a:lstStyle/>
           <a:p>
             <a:r>
-              <a:rPr lang="en-US" sz="3000" b="1" dirty="0">
-                <a:latin typeface="Aharoni" panose="02010803020104030203" pitchFamily="2" charset="-79"/>
-                <a:cs typeface="Aharoni" panose="02010803020104030203" pitchFamily="2" charset="-79"/>
-                <a:hlinkClick r:id="rId2"/>
-              </a:rPr>
-              <a:t>https://github.com/JustinApplegate/thatsnotcrypto</a:t>
-            </a:r>
-            <a:r>
-              <a:rPr lang="en-US" sz="3000" b="1" dirty="0">
-                <a:latin typeface="Aharoni" panose="02010803020104030203" pitchFamily="2" charset="-79"/>
-                <a:cs typeface="Aharoni" panose="02010803020104030203" pitchFamily="2" charset="-79"/>
-              </a:rPr>
-              <a:t> </a:t>
-            </a:r>
-          </a:p>
-          <a:p>
-            <a:r>
-              <a:rPr lang="en-US" sz="3000" b="0" i="0" dirty="0">
-                <a:solidFill>
-                  <a:srgbClr val="333333"/>
-                </a:solidFill>
-                <a:effectLst/>
-                <a:latin typeface="Aharoni" panose="02010803020104030203" pitchFamily="2" charset="-79"/>
-                <a:cs typeface="Aharoni" panose="02010803020104030203" pitchFamily="2" charset="-79"/>
-                <a:hlinkClick r:id="rId3"/>
-              </a:rPr>
-              <a:t>https://0awawa0.medium.com/h-cktivitycon-2021-ctf-writeups-b93bc122fecd#06a5</a:t>
-            </a:r>
-            <a:endParaRPr lang="en-US" sz="3000" b="1" i="0" dirty="0">
-              <a:solidFill>
-                <a:srgbClr val="333333"/>
-              </a:solidFill>
-              <a:effectLst/>
-              <a:latin typeface="Aharoni" panose="02010803020104030203" pitchFamily="2" charset="-79"/>
-              <a:cs typeface="Aharoni" panose="02010803020104030203" pitchFamily="2" charset="-79"/>
-            </a:endParaRPr>
-          </a:p>
-          <a:p>
-            <a:r>
-              <a:rPr lang="en-US" sz="3000" b="1" dirty="0">
-                <a:solidFill>
-                  <a:srgbClr val="333333"/>
-                </a:solidFill>
-                <a:effectLst/>
-                <a:latin typeface="Aharoni" panose="02010803020104030203" pitchFamily="2" charset="-79"/>
-                <a:cs typeface="Aharoni" panose="02010803020104030203" pitchFamily="2" charset="-79"/>
-                <a:hlinkClick r:id="rId4"/>
-              </a:rPr>
-              <a:t>https://0awawa0.medium.com/h-cktivitycon-2021-ctf-writeups-b93bc122fecd#8e18</a:t>
-            </a:r>
-            <a:endParaRPr lang="en-US" sz="3000" b="1" dirty="0">
-              <a:solidFill>
-                <a:srgbClr val="333333"/>
-              </a:solidFill>
-              <a:effectLst/>
-              <a:latin typeface="Aharoni" panose="02010803020104030203" pitchFamily="2" charset="-79"/>
-              <a:cs typeface="Aharoni" panose="02010803020104030203" pitchFamily="2" charset="-79"/>
-            </a:endParaRPr>
-          </a:p>
-          <a:p>
-            <a:r>
-              <a:rPr lang="en-US" sz="3000" b="1" dirty="0">
-                <a:solidFill>
-                  <a:srgbClr val="333333"/>
-                </a:solidFill>
-                <a:effectLst/>
-                <a:latin typeface="Aharoni" panose="02010803020104030203" pitchFamily="2" charset="-79"/>
-                <a:cs typeface="Aharoni" panose="02010803020104030203" pitchFamily="2" charset="-79"/>
-                <a:hlinkClick r:id="rId5"/>
-              </a:rPr>
-              <a:t>https://anthares101.github.io/CTFs/H%40cktivityCon_2021/N1P/</a:t>
-            </a:r>
-            <a:endParaRPr lang="en-US" sz="3000" b="1" dirty="0">
-              <a:solidFill>
-                <a:srgbClr val="333333"/>
-              </a:solidFill>
-              <a:effectLst/>
-              <a:latin typeface="Aharoni" panose="02010803020104030203" pitchFamily="2" charset="-79"/>
-              <a:cs typeface="Aharoni" panose="02010803020104030203" pitchFamily="2" charset="-79"/>
-            </a:endParaRPr>
-          </a:p>
-          <a:p>
-            <a:endParaRPr lang="en-US" sz="3600" b="1" dirty="0">
-              <a:solidFill>
-                <a:srgbClr val="333333"/>
-              </a:solidFill>
-              <a:effectLst/>
-              <a:latin typeface="Helvetica Neue"/>
-            </a:endParaRPr>
+              <a:rPr lang="en-US" sz="2800" dirty="0"/>
+              <a:t>Let’s work on </a:t>
+            </a:r>
+            <a:r>
+              <a:rPr lang="en-US" sz="2800" dirty="0" err="1"/>
+              <a:t>CTFLearn</a:t>
+            </a:r>
+            <a:r>
+              <a:rPr lang="en-US" sz="2800" dirty="0"/>
+              <a:t>, Crypto Challenges:</a:t>
+            </a:r>
+          </a:p>
+          <a:p>
+            <a:pPr lvl="1"/>
+            <a:r>
+              <a:rPr lang="en-US" sz="2800" dirty="0"/>
+              <a:t>Character Encoding</a:t>
+            </a:r>
+          </a:p>
+          <a:p>
+            <a:pPr lvl="1"/>
+            <a:r>
+              <a:rPr lang="en-US" sz="2800" dirty="0"/>
+              <a:t>Base 2 2 the 6</a:t>
+            </a:r>
+          </a:p>
+          <a:p>
+            <a:pPr lvl="1"/>
+            <a:r>
+              <a:rPr lang="en-US" sz="2800" dirty="0"/>
+              <a:t>Morse Code</a:t>
+            </a:r>
+          </a:p>
+          <a:p>
+            <a:pPr lvl="1"/>
+            <a:r>
+              <a:rPr lang="en-US" sz="2800" dirty="0" err="1"/>
+              <a:t>Vignere</a:t>
+            </a:r>
+            <a:r>
+              <a:rPr lang="en-US" sz="2800" dirty="0"/>
+              <a:t> Cipher</a:t>
+            </a:r>
+          </a:p>
+          <a:p>
+            <a:pPr lvl="1"/>
+            <a:r>
+              <a:rPr lang="en-US" sz="2800" dirty="0" err="1"/>
+              <a:t>BruXOR</a:t>
+            </a:r>
+            <a:endParaRPr lang="en-US" sz="2800" dirty="0"/>
+          </a:p>
+          <a:p>
+            <a:pPr lvl="1"/>
+            <a:r>
+              <a:rPr lang="en-US" sz="2800" dirty="0"/>
+              <a:t>Reverse Polarity</a:t>
+            </a:r>
+          </a:p>
+          <a:p>
+            <a:pPr lvl="1"/>
+            <a:r>
+              <a:rPr lang="en-US" sz="2800" dirty="0" err="1"/>
+              <a:t>Hextraordinary</a:t>
+            </a:r>
+            <a:endParaRPr lang="en-US" sz="2800" dirty="0"/>
           </a:p>
         </p:txBody>
       </p:sp>
     </p:spTree>
     <p:extLst>
       <p:ext uri="{BB962C8B-B14F-4D97-AF65-F5344CB8AC3E}">
-        <p14:creationId xmlns:p14="http://schemas.microsoft.com/office/powerpoint/2010/main" val="3334734376"/>
+        <p14:creationId xmlns:p14="http://schemas.microsoft.com/office/powerpoint/2010/main" val="3246374333"/>
       </p:ext>
     </p:extLst>
   </p:cSld>
@@ -10129,6 +10693,49 @@
 </a:themeOverride>
 </file>
 
+<file path=ppt/theme/themeOverride7.xml><?xml version="1.0" encoding="utf-8"?>
+<a:themeOverride xmlns:a="http://schemas.openxmlformats.org/drawingml/2006/main">
+  <a:clrScheme name="Green">
+    <a:dk1>
+      <a:sysClr val="windowText" lastClr="000000"/>
+    </a:dk1>
+    <a:lt1>
+      <a:sysClr val="window" lastClr="FFFFFF"/>
+    </a:lt1>
+    <a:dk2>
+      <a:srgbClr val="455F51"/>
+    </a:dk2>
+    <a:lt2>
+      <a:srgbClr val="E3DED1"/>
+    </a:lt2>
+    <a:accent1>
+      <a:srgbClr val="549E39"/>
+    </a:accent1>
+    <a:accent2>
+      <a:srgbClr val="8AB833"/>
+    </a:accent2>
+    <a:accent3>
+      <a:srgbClr val="C0CF3A"/>
+    </a:accent3>
+    <a:accent4>
+      <a:srgbClr val="029676"/>
+    </a:accent4>
+    <a:accent5>
+      <a:srgbClr val="4AB5C4"/>
+    </a:accent5>
+    <a:accent6>
+      <a:srgbClr val="0989B1"/>
+    </a:accent6>
+    <a:hlink>
+      <a:srgbClr val="6B9F25"/>
+    </a:hlink>
+    <a:folHlink>
+      <a:srgbClr val="BA6906"/>
+    </a:folHlink>
+  </a:clrScheme>
+</a:themeOverride>
+</file>
+
 <file path=customXml/item1.xml><?xml version="1.0" encoding="utf-8"?>
 <ct:contentTypeSchema xmlns:ct="http://schemas.microsoft.com/office/2006/metadata/contentType" xmlns:ma="http://schemas.microsoft.com/office/2006/metadata/properties/metaAttributes" ct:_="" ma:_="" ma:contentTypeName="Document" ma:contentTypeID="0x01010079F111ED35F8CC479449609E8A0923A6" ma:contentTypeVersion="12" ma:contentTypeDescription="Create a new document." ma:contentTypeScope="" ma:versionID="a410dd7f93c95333ffa1b60ed6adedd1">
   <xsd:schema xmlns:xsd="http://www.w3.org/2001/XMLSchema" xmlns:xs="http://www.w3.org/2001/XMLSchema" xmlns:p="http://schemas.microsoft.com/office/2006/metadata/properties" xmlns:ns2="71af3243-3dd4-4a8d-8c0d-dd76da1f02a5" xmlns:ns3="16c05727-aa75-4e4a-9b5f-8a80a1165891" targetNamespace="http://schemas.microsoft.com/office/2006/metadata/properties" ma:root="true" ma:fieldsID="a936d9baba76aa3866493feff160faab" ns2:_="" ns3:_="">
